--- a/ms-meetup-copilot-excel.pptx
+++ b/ms-meetup-copilot-excel.pptx
@@ -241,7 +241,7 @@
           <a:p>
             <a:fld id="{17A98A70-FA8C-4354-959C-C70678AC9BCF}" type="datetimeFigureOut">
               <a:rPr lang="en-US" smtClean="0"/>
-              <a:t>10/15/2024</a:t>
+              <a:t>10/21/2024</a:t>
             </a:fld>
             <a:endParaRPr lang="en-US"/>
           </a:p>
@@ -952,7 +952,7 @@
             <a:fld id="{1D8BD707-D9CF-40AE-B4C6-C98DA3205C09}" type="datetimeFigureOut">
               <a:rPr lang="en-US" smtClean="0"/>
               <a:pPr/>
-              <a:t>10/15/2024</a:t>
+              <a:t>10/21/2024</a:t>
             </a:fld>
             <a:endParaRPr lang="en-US"/>
           </a:p>
@@ -1117,7 +1117,7 @@
             <a:fld id="{1D8BD707-D9CF-40AE-B4C6-C98DA3205C09}" type="datetimeFigureOut">
               <a:rPr lang="en-US" smtClean="0"/>
               <a:pPr/>
-              <a:t>10/15/2024</a:t>
+              <a:t>10/21/2024</a:t>
             </a:fld>
             <a:endParaRPr lang="en-US"/>
           </a:p>
@@ -1292,7 +1292,7 @@
             <a:fld id="{1D8BD707-D9CF-40AE-B4C6-C98DA3205C09}" type="datetimeFigureOut">
               <a:rPr lang="en-US" smtClean="0"/>
               <a:pPr/>
-              <a:t>10/15/2024</a:t>
+              <a:t>10/21/2024</a:t>
             </a:fld>
             <a:endParaRPr lang="en-US"/>
           </a:p>
@@ -1457,7 +1457,7 @@
             <a:fld id="{1D8BD707-D9CF-40AE-B4C6-C98DA3205C09}" type="datetimeFigureOut">
               <a:rPr lang="en-US" smtClean="0"/>
               <a:pPr/>
-              <a:t>10/15/2024</a:t>
+              <a:t>10/21/2024</a:t>
             </a:fld>
             <a:endParaRPr lang="en-US"/>
           </a:p>
@@ -1699,7 +1699,7 @@
             <a:fld id="{1D8BD707-D9CF-40AE-B4C6-C98DA3205C09}" type="datetimeFigureOut">
               <a:rPr lang="en-US" smtClean="0"/>
               <a:pPr/>
-              <a:t>10/15/2024</a:t>
+              <a:t>10/21/2024</a:t>
             </a:fld>
             <a:endParaRPr lang="en-US"/>
           </a:p>
@@ -1981,7 +1981,7 @@
             <a:fld id="{1D8BD707-D9CF-40AE-B4C6-C98DA3205C09}" type="datetimeFigureOut">
               <a:rPr lang="en-US" smtClean="0"/>
               <a:pPr/>
-              <a:t>10/15/2024</a:t>
+              <a:t>10/21/2024</a:t>
             </a:fld>
             <a:endParaRPr lang="en-US"/>
           </a:p>
@@ -2397,7 +2397,7 @@
             <a:fld id="{1D8BD707-D9CF-40AE-B4C6-C98DA3205C09}" type="datetimeFigureOut">
               <a:rPr lang="en-US" smtClean="0"/>
               <a:pPr/>
-              <a:t>10/15/2024</a:t>
+              <a:t>10/21/2024</a:t>
             </a:fld>
             <a:endParaRPr lang="en-US"/>
           </a:p>
@@ -2511,7 +2511,7 @@
             <a:fld id="{1D8BD707-D9CF-40AE-B4C6-C98DA3205C09}" type="datetimeFigureOut">
               <a:rPr lang="en-US" smtClean="0"/>
               <a:pPr/>
-              <a:t>10/15/2024</a:t>
+              <a:t>10/21/2024</a:t>
             </a:fld>
             <a:endParaRPr lang="en-US"/>
           </a:p>
@@ -2603,7 +2603,7 @@
             <a:fld id="{1D8BD707-D9CF-40AE-B4C6-C98DA3205C09}" type="datetimeFigureOut">
               <a:rPr lang="en-US" smtClean="0"/>
               <a:pPr/>
-              <a:t>10/15/2024</a:t>
+              <a:t>10/21/2024</a:t>
             </a:fld>
             <a:endParaRPr lang="en-US"/>
           </a:p>
@@ -2875,7 +2875,7 @@
             <a:fld id="{1D8BD707-D9CF-40AE-B4C6-C98DA3205C09}" type="datetimeFigureOut">
               <a:rPr lang="en-US" smtClean="0"/>
               <a:pPr/>
-              <a:t>10/15/2024</a:t>
+              <a:t>10/21/2024</a:t>
             </a:fld>
             <a:endParaRPr lang="en-US"/>
           </a:p>
@@ -3124,7 +3124,7 @@
             <a:fld id="{1D8BD707-D9CF-40AE-B4C6-C98DA3205C09}" type="datetimeFigureOut">
               <a:rPr lang="en-US" smtClean="0"/>
               <a:pPr/>
-              <a:t>10/15/2024</a:t>
+              <a:t>10/21/2024</a:t>
             </a:fld>
             <a:endParaRPr lang="en-US"/>
           </a:p>
@@ -3337,7 +3337,7 @@
             <a:fld id="{1D8BD707-D9CF-40AE-B4C6-C98DA3205C09}" type="datetimeFigureOut">
               <a:rPr lang="en-US" smtClean="0"/>
               <a:pPr/>
-              <a:t>10/15/2024</a:t>
+              <a:t>10/21/2024</a:t>
             </a:fld>
             <a:endParaRPr lang="en-US"/>
           </a:p>
@@ -4164,6 +4164,53 @@
           <a:xfrm>
             <a:off x="384642" y="7832951"/>
             <a:ext cx="5057775" cy="2028825"/>
+          </a:xfrm>
+          <a:prstGeom prst="rect">
+            <a:avLst/>
+          </a:prstGeom>
+          <a:noFill/>
+          <a:extLst>
+            <a:ext uri="{909E8E84-426E-40DD-AFC4-6F175D3DCCD1}">
+              <a14:hiddenFill xmlns:a14="http://schemas.microsoft.com/office/drawing/2010/main">
+                <a:solidFill>
+                  <a:srgbClr val="FFFFFF"/>
+                </a:solidFill>
+              </a14:hiddenFill>
+            </a:ext>
+          </a:extLst>
+        </p:spPr>
+      </p:pic>
+      <p:pic>
+        <p:nvPicPr>
+          <p:cNvPr id="2" name="Picture 2" descr="Thais Cooke on LinkedIn: #linkedinlearninginstructor #linkedinlearning | 82  comments">
+            <a:extLst>
+              <a:ext uri="{FF2B5EF4-FFF2-40B4-BE49-F238E27FC236}">
+                <a16:creationId xmlns:a16="http://schemas.microsoft.com/office/drawing/2014/main" id="{DE2342E8-A858-3DBA-2DB2-3BA951A9E46B}"/>
+              </a:ext>
+            </a:extLst>
+          </p:cNvPr>
+          <p:cNvPicPr>
+            <a:picLocks noChangeAspect="1" noChangeArrowheads="1"/>
+          </p:cNvPicPr>
+          <p:nvPr/>
+        </p:nvPicPr>
+        <p:blipFill>
+          <a:blip r:embed="rId7">
+            <a:extLst>
+              <a:ext uri="{28A0092B-C50C-407E-A947-70E740481C1C}">
+                <a14:useLocalDpi xmlns:a14="http://schemas.microsoft.com/office/drawing/2010/main" val="0"/>
+              </a:ext>
+            </a:extLst>
+          </a:blip>
+          <a:srcRect/>
+          <a:stretch>
+            <a:fillRect/>
+          </a:stretch>
+        </p:blipFill>
+        <p:spPr bwMode="auto">
+          <a:xfrm>
+            <a:off x="9296400" y="345877"/>
+            <a:ext cx="3333750" cy="1371600"/>
           </a:xfrm>
           <a:prstGeom prst="rect">
             <a:avLst/>

--- a/ms-meetup-copilot-excel.pptx
+++ b/ms-meetup-copilot-excel.pptx
@@ -5,7 +5,7 @@
     <p:sldMasterId id="2147483648" r:id="rId1"/>
   </p:sldMasterIdLst>
   <p:notesMasterIdLst>
-    <p:notesMasterId r:id="rId9"/>
+    <p:notesMasterId r:id="rId10"/>
   </p:notesMasterIdLst>
   <p:sldIdLst>
     <p:sldId id="256" r:id="rId2"/>
@@ -13,18 +13,19 @@
     <p:sldId id="426" r:id="rId4"/>
     <p:sldId id="414" r:id="rId5"/>
     <p:sldId id="434" r:id="rId6"/>
-    <p:sldId id="435" r:id="rId7"/>
-    <p:sldId id="427" r:id="rId8"/>
+    <p:sldId id="436" r:id="rId7"/>
+    <p:sldId id="435" r:id="rId8"/>
+    <p:sldId id="427" r:id="rId9"/>
   </p:sldIdLst>
   <p:sldSz cx="18288000" cy="10287000"/>
   <p:notesSz cx="6858000" cy="9144000"/>
   <p:embeddedFontLst>
     <p:embeddedFont>
       <p:font typeface="Consolas" panose="020B0609020204030204" pitchFamily="49" charset="0"/>
-      <p:regular r:id="rId10"/>
-      <p:bold r:id="rId11"/>
-      <p:italic r:id="rId12"/>
-      <p:boldItalic r:id="rId13"/>
+      <p:regular r:id="rId11"/>
+      <p:bold r:id="rId12"/>
+      <p:italic r:id="rId13"/>
+      <p:boldItalic r:id="rId14"/>
     </p:embeddedFont>
   </p:embeddedFontLst>
   <p:defaultTextStyle>
@@ -241,7 +242,7 @@
           <a:p>
             <a:fld id="{17A98A70-FA8C-4354-959C-C70678AC9BCF}" type="datetimeFigureOut">
               <a:rPr lang="en-US" smtClean="0"/>
-              <a:t>10/21/2024</a:t>
+              <a:t>10/22/2024</a:t>
             </a:fld>
             <a:endParaRPr lang="en-US"/>
           </a:p>
@@ -648,6 +649,138 @@
         <p:cNvPr id="1" name="">
           <a:extLst>
             <a:ext uri="{FF2B5EF4-FFF2-40B4-BE49-F238E27FC236}">
+              <a16:creationId xmlns:a16="http://schemas.microsoft.com/office/drawing/2014/main" id="{A406E22A-7D44-7697-B6D2-319E1B54CEB3}"/>
+            </a:ext>
+          </a:extLst>
+        </p:cNvPr>
+        <p:cNvGrpSpPr/>
+        <p:nvPr/>
+      </p:nvGrpSpPr>
+      <p:grpSpPr>
+        <a:xfrm>
+          <a:off x="0" y="0"/>
+          <a:ext cx="0" cy="0"/>
+          <a:chOff x="0" y="0"/>
+          <a:chExt cx="0" cy="0"/>
+        </a:xfrm>
+      </p:grpSpPr>
+      <p:sp>
+        <p:nvSpPr>
+          <p:cNvPr id="2" name="Slide Image Placeholder 1">
+            <a:extLst>
+              <a:ext uri="{FF2B5EF4-FFF2-40B4-BE49-F238E27FC236}">
+                <a16:creationId xmlns:a16="http://schemas.microsoft.com/office/drawing/2014/main" id="{982197C6-E718-011A-1A3E-CDF1023E533F}"/>
+              </a:ext>
+            </a:extLst>
+          </p:cNvPr>
+          <p:cNvSpPr>
+            <a:spLocks noGrp="1" noRot="1" noChangeAspect="1"/>
+          </p:cNvSpPr>
+          <p:nvPr>
+            <p:ph type="sldImg"/>
+          </p:nvPr>
+        </p:nvSpPr>
+        <p:spPr/>
+      </p:sp>
+      <p:sp>
+        <p:nvSpPr>
+          <p:cNvPr id="3" name="Notes Placeholder 2">
+            <a:extLst>
+              <a:ext uri="{FF2B5EF4-FFF2-40B4-BE49-F238E27FC236}">
+                <a16:creationId xmlns:a16="http://schemas.microsoft.com/office/drawing/2014/main" id="{E54A6E7C-2E88-F3E1-EE0F-0DF42796E231}"/>
+              </a:ext>
+            </a:extLst>
+          </p:cNvPr>
+          <p:cNvSpPr>
+            <a:spLocks noGrp="1"/>
+          </p:cNvSpPr>
+          <p:nvPr>
+            <p:ph type="body" idx="1"/>
+          </p:nvPr>
+        </p:nvSpPr>
+        <p:spPr/>
+        <p:txBody>
+          <a:bodyPr/>
+          <a:lstStyle/>
+          <a:p>
+            <a:pPr marL="228600" indent="-228600">
+              <a:buAutoNum type="arabicPeriod"/>
+            </a:pPr>
+            <a:r>
+              <a:rPr lang="en-US" dirty="0"/>
+              <a:t>False!</a:t>
+            </a:r>
+          </a:p>
+          <a:p>
+            <a:pPr marL="228600" indent="-228600">
+              <a:buAutoNum type="arabicPeriod"/>
+            </a:pPr>
+            <a:r>
+              <a:rPr lang="en-US" dirty="0"/>
+              <a:t>Function, Formula, Function</a:t>
+            </a:r>
+          </a:p>
+          <a:p>
+            <a:pPr marL="228600" indent="-228600">
+              <a:buAutoNum type="arabicPeriod"/>
+            </a:pPr>
+            <a:r>
+              <a:rPr lang="en-US" dirty="0"/>
+              <a:t>Argument</a:t>
+            </a:r>
+          </a:p>
+        </p:txBody>
+      </p:sp>
+      <p:sp>
+        <p:nvSpPr>
+          <p:cNvPr id="4" name="Slide Number Placeholder 3">
+            <a:extLst>
+              <a:ext uri="{FF2B5EF4-FFF2-40B4-BE49-F238E27FC236}">
+                <a16:creationId xmlns:a16="http://schemas.microsoft.com/office/drawing/2014/main" id="{5BFA239D-3057-3140-4057-C36553722FF6}"/>
+              </a:ext>
+            </a:extLst>
+          </p:cNvPr>
+          <p:cNvSpPr>
+            <a:spLocks noGrp="1"/>
+          </p:cNvSpPr>
+          <p:nvPr>
+            <p:ph type="sldNum" sz="quarter" idx="5"/>
+          </p:nvPr>
+        </p:nvSpPr>
+        <p:spPr/>
+        <p:txBody>
+          <a:bodyPr/>
+          <a:lstStyle/>
+          <a:p>
+            <a:fld id="{1300335D-9F13-4B80-ADC5-B0EA3E10FF6B}" type="slidenum">
+              <a:rPr lang="en-US" smtClean="0"/>
+              <a:t>6</a:t>
+            </a:fld>
+            <a:endParaRPr lang="en-US"/>
+          </a:p>
+        </p:txBody>
+      </p:sp>
+    </p:spTree>
+    <p:extLst>
+      <p:ext uri="{BB962C8B-B14F-4D97-AF65-F5344CB8AC3E}">
+        <p14:creationId xmlns:p14="http://schemas.microsoft.com/office/powerpoint/2010/main" val="1374391062"/>
+      </p:ext>
+    </p:extLst>
+  </p:cSld>
+  <p:clrMapOvr>
+    <a:masterClrMapping/>
+  </p:clrMapOvr>
+</p:notes>
+</file>
+
+<file path=ppt/notesSlides/notesSlide3.xml><?xml version="1.0" encoding="utf-8"?>
+<p:notes xmlns:a="http://schemas.openxmlformats.org/drawingml/2006/main" xmlns:r="http://schemas.openxmlformats.org/officeDocument/2006/relationships" xmlns:p="http://schemas.openxmlformats.org/presentationml/2006/main">
+  <p:cSld>
+    <p:spTree>
+      <p:nvGrpSpPr>
+        <p:cNvPr id="1" name="">
+          <a:extLst>
+            <a:ext uri="{FF2B5EF4-FFF2-40B4-BE49-F238E27FC236}">
               <a16:creationId xmlns:a16="http://schemas.microsoft.com/office/drawing/2014/main" id="{3852D23F-CDFC-1949-5D30-2ECD69FC3B86}"/>
             </a:ext>
           </a:extLst>
@@ -753,7 +886,7 @@
           <a:p>
             <a:fld id="{1300335D-9F13-4B80-ADC5-B0EA3E10FF6B}" type="slidenum">
               <a:rPr lang="en-US" smtClean="0"/>
-              <a:t>6</a:t>
+              <a:t>7</a:t>
             </a:fld>
             <a:endParaRPr lang="en-US"/>
           </a:p>
@@ -952,7 +1085,7 @@
             <a:fld id="{1D8BD707-D9CF-40AE-B4C6-C98DA3205C09}" type="datetimeFigureOut">
               <a:rPr lang="en-US" smtClean="0"/>
               <a:pPr/>
-              <a:t>10/21/2024</a:t>
+              <a:t>10/22/2024</a:t>
             </a:fld>
             <a:endParaRPr lang="en-US"/>
           </a:p>
@@ -1117,7 +1250,7 @@
             <a:fld id="{1D8BD707-D9CF-40AE-B4C6-C98DA3205C09}" type="datetimeFigureOut">
               <a:rPr lang="en-US" smtClean="0"/>
               <a:pPr/>
-              <a:t>10/21/2024</a:t>
+              <a:t>10/22/2024</a:t>
             </a:fld>
             <a:endParaRPr lang="en-US"/>
           </a:p>
@@ -1292,7 +1425,7 @@
             <a:fld id="{1D8BD707-D9CF-40AE-B4C6-C98DA3205C09}" type="datetimeFigureOut">
               <a:rPr lang="en-US" smtClean="0"/>
               <a:pPr/>
-              <a:t>10/21/2024</a:t>
+              <a:t>10/22/2024</a:t>
             </a:fld>
             <a:endParaRPr lang="en-US"/>
           </a:p>
@@ -1457,7 +1590,7 @@
             <a:fld id="{1D8BD707-D9CF-40AE-B4C6-C98DA3205C09}" type="datetimeFigureOut">
               <a:rPr lang="en-US" smtClean="0"/>
               <a:pPr/>
-              <a:t>10/21/2024</a:t>
+              <a:t>10/22/2024</a:t>
             </a:fld>
             <a:endParaRPr lang="en-US"/>
           </a:p>
@@ -1699,7 +1832,7 @@
             <a:fld id="{1D8BD707-D9CF-40AE-B4C6-C98DA3205C09}" type="datetimeFigureOut">
               <a:rPr lang="en-US" smtClean="0"/>
               <a:pPr/>
-              <a:t>10/21/2024</a:t>
+              <a:t>10/22/2024</a:t>
             </a:fld>
             <a:endParaRPr lang="en-US"/>
           </a:p>
@@ -1981,7 +2114,7 @@
             <a:fld id="{1D8BD707-D9CF-40AE-B4C6-C98DA3205C09}" type="datetimeFigureOut">
               <a:rPr lang="en-US" smtClean="0"/>
               <a:pPr/>
-              <a:t>10/21/2024</a:t>
+              <a:t>10/22/2024</a:t>
             </a:fld>
             <a:endParaRPr lang="en-US"/>
           </a:p>
@@ -2397,7 +2530,7 @@
             <a:fld id="{1D8BD707-D9CF-40AE-B4C6-C98DA3205C09}" type="datetimeFigureOut">
               <a:rPr lang="en-US" smtClean="0"/>
               <a:pPr/>
-              <a:t>10/21/2024</a:t>
+              <a:t>10/22/2024</a:t>
             </a:fld>
             <a:endParaRPr lang="en-US"/>
           </a:p>
@@ -2511,7 +2644,7 @@
             <a:fld id="{1D8BD707-D9CF-40AE-B4C6-C98DA3205C09}" type="datetimeFigureOut">
               <a:rPr lang="en-US" smtClean="0"/>
               <a:pPr/>
-              <a:t>10/21/2024</a:t>
+              <a:t>10/22/2024</a:t>
             </a:fld>
             <a:endParaRPr lang="en-US"/>
           </a:p>
@@ -2603,7 +2736,7 @@
             <a:fld id="{1D8BD707-D9CF-40AE-B4C6-C98DA3205C09}" type="datetimeFigureOut">
               <a:rPr lang="en-US" smtClean="0"/>
               <a:pPr/>
-              <a:t>10/21/2024</a:t>
+              <a:t>10/22/2024</a:t>
             </a:fld>
             <a:endParaRPr lang="en-US"/>
           </a:p>
@@ -2875,7 +3008,7 @@
             <a:fld id="{1D8BD707-D9CF-40AE-B4C6-C98DA3205C09}" type="datetimeFigureOut">
               <a:rPr lang="en-US" smtClean="0"/>
               <a:pPr/>
-              <a:t>10/21/2024</a:t>
+              <a:t>10/22/2024</a:t>
             </a:fld>
             <a:endParaRPr lang="en-US"/>
           </a:p>
@@ -3124,7 +3257,7 @@
             <a:fld id="{1D8BD707-D9CF-40AE-B4C6-C98DA3205C09}" type="datetimeFigureOut">
               <a:rPr lang="en-US" smtClean="0"/>
               <a:pPr/>
-              <a:t>10/21/2024</a:t>
+              <a:t>10/22/2024</a:t>
             </a:fld>
             <a:endParaRPr lang="en-US"/>
           </a:p>
@@ -3337,7 +3470,7 @@
             <a:fld id="{1D8BD707-D9CF-40AE-B4C6-C98DA3205C09}" type="datetimeFigureOut">
               <a:rPr lang="en-US" smtClean="0"/>
               <a:pPr/>
-              <a:t>10/21/2024</a:t>
+              <a:t>10/22/2024</a:t>
             </a:fld>
             <a:endParaRPr lang="en-US"/>
           </a:p>
@@ -4891,6 +5024,216 @@
         <p:cNvPr id="1" name="">
           <a:extLst>
             <a:ext uri="{FF2B5EF4-FFF2-40B4-BE49-F238E27FC236}">
+              <a16:creationId xmlns:a16="http://schemas.microsoft.com/office/drawing/2014/main" id="{518147F9-DFF5-B893-7E70-99F23AFC9C10}"/>
+            </a:ext>
+          </a:extLst>
+        </p:cNvPr>
+        <p:cNvGrpSpPr/>
+        <p:nvPr/>
+      </p:nvGrpSpPr>
+      <p:grpSpPr>
+        <a:xfrm>
+          <a:off x="0" y="0"/>
+          <a:ext cx="0" cy="0"/>
+          <a:chOff x="0" y="0"/>
+          <a:chExt cx="0" cy="0"/>
+        </a:xfrm>
+      </p:grpSpPr>
+      <p:sp>
+        <p:nvSpPr>
+          <p:cNvPr id="4" name="Rectangle 3">
+            <a:extLst>
+              <a:ext uri="{FF2B5EF4-FFF2-40B4-BE49-F238E27FC236}">
+                <a16:creationId xmlns:a16="http://schemas.microsoft.com/office/drawing/2014/main" id="{5D58D77D-6B13-C6E4-5EF7-2AAF4195AC86}"/>
+              </a:ext>
+            </a:extLst>
+          </p:cNvPr>
+          <p:cNvSpPr/>
+          <p:nvPr/>
+        </p:nvSpPr>
+        <p:spPr>
+          <a:xfrm>
+            <a:off x="9861630" y="0"/>
+            <a:ext cx="8426370" cy="10287000"/>
+          </a:xfrm>
+          <a:prstGeom prst="rect">
+            <a:avLst/>
+          </a:prstGeom>
+          <a:solidFill>
+            <a:srgbClr val="CF3338"/>
+          </a:solidFill>
+          <a:ln>
+            <a:noFill/>
+          </a:ln>
+        </p:spPr>
+        <p:style>
+          <a:lnRef idx="2">
+            <a:schemeClr val="accent1">
+              <a:shade val="50000"/>
+            </a:schemeClr>
+          </a:lnRef>
+          <a:fillRef idx="1">
+            <a:schemeClr val="accent1"/>
+          </a:fillRef>
+          <a:effectRef idx="0">
+            <a:schemeClr val="accent1"/>
+          </a:effectRef>
+          <a:fontRef idx="minor">
+            <a:schemeClr val="lt1"/>
+          </a:fontRef>
+        </p:style>
+        <p:txBody>
+          <a:bodyPr rtlCol="0" anchor="ctr"/>
+          <a:lstStyle/>
+          <a:p>
+            <a:pPr algn="ctr"/>
+            <a:endParaRPr lang="en-US" sz="2700"/>
+          </a:p>
+        </p:txBody>
+      </p:sp>
+      <p:pic>
+        <p:nvPicPr>
+          <p:cNvPr id="2" name="Picture 1">
+            <a:extLst>
+              <a:ext uri="{FF2B5EF4-FFF2-40B4-BE49-F238E27FC236}">
+                <a16:creationId xmlns:a16="http://schemas.microsoft.com/office/drawing/2014/main" id="{4C837CB9-80F7-48CC-CB72-92757D612D58}"/>
+              </a:ext>
+            </a:extLst>
+          </p:cNvPr>
+          <p:cNvPicPr>
+            <a:picLocks noChangeAspect="1"/>
+          </p:cNvPicPr>
+          <p:nvPr/>
+        </p:nvPicPr>
+        <p:blipFill rotWithShape="1">
+          <a:blip r:embed="rId3">
+            <a:extLst>
+              <a:ext uri="{28A0092B-C50C-407E-A947-70E740481C1C}">
+                <a14:useLocalDpi xmlns:a14="http://schemas.microsoft.com/office/drawing/2010/main" val="0"/>
+              </a:ext>
+            </a:extLst>
+          </a:blip>
+          <a:srcRect l="69227" t="33418" r="20112" b="50548"/>
+          <a:stretch/>
+        </p:blipFill>
+        <p:spPr>
+          <a:xfrm>
+            <a:off x="15579524" y="7544693"/>
+            <a:ext cx="2708477" cy="2987579"/>
+          </a:xfrm>
+          <a:prstGeom prst="rect">
+            <a:avLst/>
+          </a:prstGeom>
+        </p:spPr>
+      </p:pic>
+      <p:sp>
+        <p:nvSpPr>
+          <p:cNvPr id="3" name="TextBox 2">
+            <a:extLst>
+              <a:ext uri="{FF2B5EF4-FFF2-40B4-BE49-F238E27FC236}">
+                <a16:creationId xmlns:a16="http://schemas.microsoft.com/office/drawing/2014/main" id="{4914E6A8-2342-44E7-2764-D0B18A804C39}"/>
+              </a:ext>
+            </a:extLst>
+          </p:cNvPr>
+          <p:cNvSpPr txBox="1"/>
+          <p:nvPr/>
+        </p:nvSpPr>
+        <p:spPr>
+          <a:xfrm>
+            <a:off x="260431" y="329879"/>
+            <a:ext cx="8906720" cy="2677656"/>
+          </a:xfrm>
+          <a:prstGeom prst="rect">
+            <a:avLst/>
+          </a:prstGeom>
+          <a:noFill/>
+        </p:spPr>
+        <p:txBody>
+          <a:bodyPr wrap="square" rtlCol="0">
+            <a:spAutoFit/>
+          </a:bodyPr>
+          <a:lstStyle/>
+          <a:p>
+            <a:r>
+              <a:rPr lang="en-US" sz="6000" b="1" dirty="0">
+                <a:solidFill>
+                  <a:srgbClr val="CF3338"/>
+                </a:solidFill>
+                <a:latin typeface="Pragmatica" panose="020B0403040502020204" pitchFamily="34" charset="0"/>
+              </a:rPr>
+              <a:t>Resource: Copilot in Excel Resource Guide</a:t>
+            </a:r>
+          </a:p>
+          <a:p>
+            <a:r>
+              <a:rPr lang="en-US" sz="4800" b="1" dirty="0">
+                <a:solidFill>
+                  <a:srgbClr val="CF3338"/>
+                </a:solidFill>
+                <a:latin typeface="Pragmatica" panose="020B0403040502020204" pitchFamily="34" charset="0"/>
+              </a:rPr>
+              <a:t>See downloads folder</a:t>
+            </a:r>
+          </a:p>
+        </p:txBody>
+      </p:sp>
+      <p:pic>
+        <p:nvPicPr>
+          <p:cNvPr id="6" name="Picture 5" descr="A white and red cover with black text&#10;&#10;Description automatically generated">
+            <a:extLst>
+              <a:ext uri="{FF2B5EF4-FFF2-40B4-BE49-F238E27FC236}">
+                <a16:creationId xmlns:a16="http://schemas.microsoft.com/office/drawing/2014/main" id="{C53AF8D9-858F-264A-7AB1-14B9D852D487}"/>
+              </a:ext>
+            </a:extLst>
+          </p:cNvPr>
+          <p:cNvPicPr>
+            <a:picLocks noChangeAspect="1"/>
+          </p:cNvPicPr>
+          <p:nvPr/>
+        </p:nvPicPr>
+        <p:blipFill>
+          <a:blip r:embed="rId4" cstate="print">
+            <a:extLst>
+              <a:ext uri="{28A0092B-C50C-407E-A947-70E740481C1C}">
+                <a14:useLocalDpi xmlns:a14="http://schemas.microsoft.com/office/drawing/2010/main" val="0"/>
+              </a:ext>
+            </a:extLst>
+          </a:blip>
+          <a:stretch>
+            <a:fillRect/>
+          </a:stretch>
+        </p:blipFill>
+        <p:spPr>
+          <a:xfrm>
+            <a:off x="533400" y="4076700"/>
+            <a:ext cx="4470013" cy="5786424"/>
+          </a:xfrm>
+          <a:prstGeom prst="rect">
+            <a:avLst/>
+          </a:prstGeom>
+        </p:spPr>
+      </p:pic>
+    </p:spTree>
+    <p:extLst>
+      <p:ext uri="{BB962C8B-B14F-4D97-AF65-F5344CB8AC3E}">
+        <p14:creationId xmlns:p14="http://schemas.microsoft.com/office/powerpoint/2010/main" val="3086914723"/>
+      </p:ext>
+    </p:extLst>
+  </p:cSld>
+  <p:clrMapOvr>
+    <a:masterClrMapping/>
+  </p:clrMapOvr>
+</p:sld>
+</file>
+
+<file path=ppt/slides/slide7.xml><?xml version="1.0" encoding="utf-8"?>
+<p:sld xmlns:a="http://schemas.openxmlformats.org/drawingml/2006/main" xmlns:r="http://schemas.openxmlformats.org/officeDocument/2006/relationships" xmlns:p="http://schemas.openxmlformats.org/presentationml/2006/main">
+  <p:cSld>
+    <p:spTree>
+      <p:nvGrpSpPr>
+        <p:cNvPr id="1" name="">
+          <a:extLst>
+            <a:ext uri="{FF2B5EF4-FFF2-40B4-BE49-F238E27FC236}">
               <a16:creationId xmlns:a16="http://schemas.microsoft.com/office/drawing/2014/main" id="{1F7FDCCF-552E-8DB6-A22D-8465D8484ADC}"/>
             </a:ext>
           </a:extLst>
@@ -5113,7 +5456,7 @@
 </p:sld>
 </file>
 
-<file path=ppt/slides/slide7.xml><?xml version="1.0" encoding="utf-8"?>
+<file path=ppt/slides/slide8.xml><?xml version="1.0" encoding="utf-8"?>
 <p:sld xmlns:a="http://schemas.openxmlformats.org/drawingml/2006/main" xmlns:r="http://schemas.openxmlformats.org/officeDocument/2006/relationships" xmlns:p="http://schemas.openxmlformats.org/presentationml/2006/main">
   <p:cSld>
     <p:spTree>

--- a/ms-meetup-copilot-excel.pptx
+++ b/ms-meetup-copilot-excel.pptx
@@ -5,27 +5,28 @@
     <p:sldMasterId id="2147483648" r:id="rId1"/>
   </p:sldMasterIdLst>
   <p:notesMasterIdLst>
-    <p:notesMasterId r:id="rId10"/>
+    <p:notesMasterId r:id="rId11"/>
   </p:notesMasterIdLst>
   <p:sldIdLst>
     <p:sldId id="256" r:id="rId2"/>
     <p:sldId id="425" r:id="rId3"/>
     <p:sldId id="426" r:id="rId4"/>
-    <p:sldId id="414" r:id="rId5"/>
-    <p:sldId id="434" r:id="rId6"/>
-    <p:sldId id="436" r:id="rId7"/>
-    <p:sldId id="435" r:id="rId8"/>
-    <p:sldId id="427" r:id="rId9"/>
+    <p:sldId id="437" r:id="rId5"/>
+    <p:sldId id="414" r:id="rId6"/>
+    <p:sldId id="434" r:id="rId7"/>
+    <p:sldId id="436" r:id="rId8"/>
+    <p:sldId id="435" r:id="rId9"/>
+    <p:sldId id="427" r:id="rId10"/>
   </p:sldIdLst>
   <p:sldSz cx="18288000" cy="10287000"/>
   <p:notesSz cx="6858000" cy="9144000"/>
   <p:embeddedFontLst>
     <p:embeddedFont>
       <p:font typeface="Consolas" panose="020B0609020204030204" pitchFamily="49" charset="0"/>
-      <p:regular r:id="rId11"/>
-      <p:bold r:id="rId12"/>
-      <p:italic r:id="rId13"/>
-      <p:boldItalic r:id="rId14"/>
+      <p:regular r:id="rId12"/>
+      <p:bold r:id="rId13"/>
+      <p:italic r:id="rId14"/>
+      <p:boldItalic r:id="rId15"/>
     </p:embeddedFont>
   </p:embeddedFontLst>
   <p:defaultTextStyle>
@@ -242,7 +243,7 @@
           <a:p>
             <a:fld id="{17A98A70-FA8C-4354-959C-C70678AC9BCF}" type="datetimeFigureOut">
               <a:rPr lang="en-US" smtClean="0"/>
-              <a:t>10/22/2024</a:t>
+              <a:t>10/23/2024</a:t>
             </a:fld>
             <a:endParaRPr lang="en-US"/>
           </a:p>
@@ -622,7 +623,7 @@
           <a:p>
             <a:fld id="{1300335D-9F13-4B80-ADC5-B0EA3E10FF6B}" type="slidenum">
               <a:rPr lang="en-US" smtClean="0"/>
-              <a:t>5</a:t>
+              <a:t>6</a:t>
             </a:fld>
             <a:endParaRPr lang="en-US"/>
           </a:p>
@@ -754,7 +755,7 @@
           <a:p>
             <a:fld id="{1300335D-9F13-4B80-ADC5-B0EA3E10FF6B}" type="slidenum">
               <a:rPr lang="en-US" smtClean="0"/>
-              <a:t>6</a:t>
+              <a:t>7</a:t>
             </a:fld>
             <a:endParaRPr lang="en-US"/>
           </a:p>
@@ -886,7 +887,7 @@
           <a:p>
             <a:fld id="{1300335D-9F13-4B80-ADC5-B0EA3E10FF6B}" type="slidenum">
               <a:rPr lang="en-US" smtClean="0"/>
-              <a:t>7</a:t>
+              <a:t>8</a:t>
             </a:fld>
             <a:endParaRPr lang="en-US"/>
           </a:p>
@@ -1085,7 +1086,7 @@
             <a:fld id="{1D8BD707-D9CF-40AE-B4C6-C98DA3205C09}" type="datetimeFigureOut">
               <a:rPr lang="en-US" smtClean="0"/>
               <a:pPr/>
-              <a:t>10/22/2024</a:t>
+              <a:t>10/23/2024</a:t>
             </a:fld>
             <a:endParaRPr lang="en-US"/>
           </a:p>
@@ -1250,7 +1251,7 @@
             <a:fld id="{1D8BD707-D9CF-40AE-B4C6-C98DA3205C09}" type="datetimeFigureOut">
               <a:rPr lang="en-US" smtClean="0"/>
               <a:pPr/>
-              <a:t>10/22/2024</a:t>
+              <a:t>10/23/2024</a:t>
             </a:fld>
             <a:endParaRPr lang="en-US"/>
           </a:p>
@@ -1425,7 +1426,7 @@
             <a:fld id="{1D8BD707-D9CF-40AE-B4C6-C98DA3205C09}" type="datetimeFigureOut">
               <a:rPr lang="en-US" smtClean="0"/>
               <a:pPr/>
-              <a:t>10/22/2024</a:t>
+              <a:t>10/23/2024</a:t>
             </a:fld>
             <a:endParaRPr lang="en-US"/>
           </a:p>
@@ -1590,7 +1591,7 @@
             <a:fld id="{1D8BD707-D9CF-40AE-B4C6-C98DA3205C09}" type="datetimeFigureOut">
               <a:rPr lang="en-US" smtClean="0"/>
               <a:pPr/>
-              <a:t>10/22/2024</a:t>
+              <a:t>10/23/2024</a:t>
             </a:fld>
             <a:endParaRPr lang="en-US"/>
           </a:p>
@@ -1832,7 +1833,7 @@
             <a:fld id="{1D8BD707-D9CF-40AE-B4C6-C98DA3205C09}" type="datetimeFigureOut">
               <a:rPr lang="en-US" smtClean="0"/>
               <a:pPr/>
-              <a:t>10/22/2024</a:t>
+              <a:t>10/23/2024</a:t>
             </a:fld>
             <a:endParaRPr lang="en-US"/>
           </a:p>
@@ -2114,7 +2115,7 @@
             <a:fld id="{1D8BD707-D9CF-40AE-B4C6-C98DA3205C09}" type="datetimeFigureOut">
               <a:rPr lang="en-US" smtClean="0"/>
               <a:pPr/>
-              <a:t>10/22/2024</a:t>
+              <a:t>10/23/2024</a:t>
             </a:fld>
             <a:endParaRPr lang="en-US"/>
           </a:p>
@@ -2530,7 +2531,7 @@
             <a:fld id="{1D8BD707-D9CF-40AE-B4C6-C98DA3205C09}" type="datetimeFigureOut">
               <a:rPr lang="en-US" smtClean="0"/>
               <a:pPr/>
-              <a:t>10/22/2024</a:t>
+              <a:t>10/23/2024</a:t>
             </a:fld>
             <a:endParaRPr lang="en-US"/>
           </a:p>
@@ -2644,7 +2645,7 @@
             <a:fld id="{1D8BD707-D9CF-40AE-B4C6-C98DA3205C09}" type="datetimeFigureOut">
               <a:rPr lang="en-US" smtClean="0"/>
               <a:pPr/>
-              <a:t>10/22/2024</a:t>
+              <a:t>10/23/2024</a:t>
             </a:fld>
             <a:endParaRPr lang="en-US"/>
           </a:p>
@@ -2736,7 +2737,7 @@
             <a:fld id="{1D8BD707-D9CF-40AE-B4C6-C98DA3205C09}" type="datetimeFigureOut">
               <a:rPr lang="en-US" smtClean="0"/>
               <a:pPr/>
-              <a:t>10/22/2024</a:t>
+              <a:t>10/23/2024</a:t>
             </a:fld>
             <a:endParaRPr lang="en-US"/>
           </a:p>
@@ -3008,7 +3009,7 @@
             <a:fld id="{1D8BD707-D9CF-40AE-B4C6-C98DA3205C09}" type="datetimeFigureOut">
               <a:rPr lang="en-US" smtClean="0"/>
               <a:pPr/>
-              <a:t>10/22/2024</a:t>
+              <a:t>10/23/2024</a:t>
             </a:fld>
             <a:endParaRPr lang="en-US"/>
           </a:p>
@@ -3257,7 +3258,7 @@
             <a:fld id="{1D8BD707-D9CF-40AE-B4C6-C98DA3205C09}" type="datetimeFigureOut">
               <a:rPr lang="en-US" smtClean="0"/>
               <a:pPr/>
-              <a:t>10/22/2024</a:t>
+              <a:t>10/23/2024</a:t>
             </a:fld>
             <a:endParaRPr lang="en-US"/>
           </a:p>
@@ -3470,7 +3471,7 @@
             <a:fld id="{1D8BD707-D9CF-40AE-B4C6-C98DA3205C09}" type="datetimeFigureOut">
               <a:rPr lang="en-US" smtClean="0"/>
               <a:pPr/>
-              <a:t>10/22/2024</a:t>
+              <a:t>10/23/2024</a:t>
             </a:fld>
             <a:endParaRPr lang="en-US"/>
           </a:p>
@@ -4624,6 +4625,215 @@
   <p:cSld>
     <p:spTree>
       <p:nvGrpSpPr>
+        <p:cNvPr id="1" name="">
+          <a:extLst>
+            <a:ext uri="{FF2B5EF4-FFF2-40B4-BE49-F238E27FC236}">
+              <a16:creationId xmlns:a16="http://schemas.microsoft.com/office/drawing/2014/main" id="{E8B6D70A-BE02-03F8-3759-E4F3CF0763F1}"/>
+            </a:ext>
+          </a:extLst>
+        </p:cNvPr>
+        <p:cNvGrpSpPr/>
+        <p:nvPr/>
+      </p:nvGrpSpPr>
+      <p:grpSpPr>
+        <a:xfrm>
+          <a:off x="0" y="0"/>
+          <a:ext cx="0" cy="0"/>
+          <a:chOff x="0" y="0"/>
+          <a:chExt cx="0" cy="0"/>
+        </a:xfrm>
+      </p:grpSpPr>
+      <p:sp>
+        <p:nvSpPr>
+          <p:cNvPr id="11" name="TextBox 10">
+            <a:extLst>
+              <a:ext uri="{FF2B5EF4-FFF2-40B4-BE49-F238E27FC236}">
+                <a16:creationId xmlns:a16="http://schemas.microsoft.com/office/drawing/2014/main" id="{1456A739-01AF-115A-822A-65F0F68780E0}"/>
+              </a:ext>
+            </a:extLst>
+          </p:cNvPr>
+          <p:cNvSpPr txBox="1"/>
+          <p:nvPr/>
+        </p:nvSpPr>
+        <p:spPr>
+          <a:xfrm>
+            <a:off x="520861" y="170082"/>
+            <a:ext cx="18376739" cy="1477328"/>
+          </a:xfrm>
+          <a:prstGeom prst="rect">
+            <a:avLst/>
+          </a:prstGeom>
+          <a:noFill/>
+        </p:spPr>
+        <p:txBody>
+          <a:bodyPr wrap="square" rtlCol="0">
+            <a:spAutoFit/>
+          </a:bodyPr>
+          <a:lstStyle/>
+          <a:p>
+            <a:r>
+              <a:rPr lang="en-US" sz="9000" dirty="0">
+                <a:latin typeface="Aliens &amp; cows" panose="00000500000000000000" pitchFamily="2" charset="0"/>
+              </a:rPr>
+              <a:t>Formatting data for Copilot in Excel</a:t>
+            </a:r>
+          </a:p>
+        </p:txBody>
+      </p:sp>
+      <p:sp>
+        <p:nvSpPr>
+          <p:cNvPr id="3" name="TextBox 2">
+            <a:extLst>
+              <a:ext uri="{FF2B5EF4-FFF2-40B4-BE49-F238E27FC236}">
+                <a16:creationId xmlns:a16="http://schemas.microsoft.com/office/drawing/2014/main" id="{78520416-715E-43B3-D1A1-01D8EE406BD7}"/>
+              </a:ext>
+            </a:extLst>
+          </p:cNvPr>
+          <p:cNvSpPr txBox="1"/>
+          <p:nvPr/>
+        </p:nvSpPr>
+        <p:spPr>
+          <a:xfrm>
+            <a:off x="520861" y="3191948"/>
+            <a:ext cx="14393120" cy="3970318"/>
+          </a:xfrm>
+          <a:prstGeom prst="rect">
+            <a:avLst/>
+          </a:prstGeom>
+          <a:noFill/>
+        </p:spPr>
+        <p:txBody>
+          <a:bodyPr wrap="square" rtlCol="0">
+            <a:spAutoFit/>
+          </a:bodyPr>
+          <a:lstStyle/>
+          <a:p>
+            <a:pPr marL="685800" indent="-685800">
+              <a:buClr>
+                <a:srgbClr val="CF3338"/>
+              </a:buClr>
+              <a:buFont typeface="Arial" panose="020B0604020202020204" pitchFamily="34" charset="0"/>
+              <a:buChar char="•"/>
+            </a:pPr>
+            <a:r>
+              <a:rPr lang="en-US" sz="4200" dirty="0">
+                <a:solidFill>
+                  <a:srgbClr val="707070"/>
+                </a:solidFill>
+                <a:latin typeface="Pragmatica" panose="020B0403040502020204" pitchFamily="34" charset="0"/>
+              </a:rPr>
+              <a:t>Use tables for optimal results</a:t>
+            </a:r>
+          </a:p>
+          <a:p>
+            <a:pPr marL="685800" indent="-685800">
+              <a:buClr>
+                <a:srgbClr val="CF3338"/>
+              </a:buClr>
+              <a:buFont typeface="Arial" panose="020B0604020202020204" pitchFamily="34" charset="0"/>
+              <a:buChar char="•"/>
+            </a:pPr>
+            <a:r>
+              <a:rPr lang="en-US" sz="4200" dirty="0">
+                <a:solidFill>
+                  <a:srgbClr val="707070"/>
+                </a:solidFill>
+                <a:latin typeface="Pragmatica" panose="020B0403040502020204" pitchFamily="34" charset="0"/>
+              </a:rPr>
+              <a:t>Use Power Query to format your data</a:t>
+            </a:r>
+          </a:p>
+          <a:p>
+            <a:pPr>
+              <a:buClr>
+                <a:srgbClr val="CF3338"/>
+              </a:buClr>
+            </a:pPr>
+            <a:endParaRPr lang="en-US" sz="4200" dirty="0">
+              <a:solidFill>
+                <a:srgbClr val="707070"/>
+              </a:solidFill>
+              <a:latin typeface="Pragmatica" panose="020B0403040502020204" pitchFamily="34" charset="0"/>
+            </a:endParaRPr>
+          </a:p>
+          <a:p>
+            <a:pPr>
+              <a:buClr>
+                <a:srgbClr val="CF3338"/>
+              </a:buClr>
+            </a:pPr>
+            <a:r>
+              <a:rPr lang="en-US" sz="4200" dirty="0">
+                <a:solidFill>
+                  <a:srgbClr val="707070"/>
+                </a:solidFill>
+                <a:latin typeface="Pragmatica" panose="020B0403040502020204" pitchFamily="34" charset="0"/>
+              </a:rPr>
+              <a:t>Resource: https://support.microsoft.com/en-us/topic/format-data-for-copilot-in-excel-1604c8eb-57f1-4db1-8363-d53336228c65</a:t>
+            </a:r>
+            <a:endParaRPr lang="en-US" sz="2800" dirty="0">
+              <a:solidFill>
+                <a:srgbClr val="707070"/>
+              </a:solidFill>
+              <a:latin typeface="Pragmatica" panose="020B0403040502020204"/>
+            </a:endParaRPr>
+          </a:p>
+        </p:txBody>
+      </p:sp>
+      <p:pic>
+        <p:nvPicPr>
+          <p:cNvPr id="15" name="Picture 14" descr="A close up of a sign&#10;&#10;Description automatically generated">
+            <a:extLst>
+              <a:ext uri="{FF2B5EF4-FFF2-40B4-BE49-F238E27FC236}">
+                <a16:creationId xmlns:a16="http://schemas.microsoft.com/office/drawing/2014/main" id="{36078138-AB87-C67B-9011-3A9D0F7CBB43}"/>
+              </a:ext>
+            </a:extLst>
+          </p:cNvPr>
+          <p:cNvPicPr>
+            <a:picLocks noChangeAspect="1"/>
+          </p:cNvPicPr>
+          <p:nvPr/>
+        </p:nvPicPr>
+        <p:blipFill>
+          <a:blip r:embed="rId2">
+            <a:extLst>
+              <a:ext uri="{28A0092B-C50C-407E-A947-70E740481C1C}">
+                <a14:useLocalDpi xmlns:a14="http://schemas.microsoft.com/office/drawing/2010/main" val="0"/>
+              </a:ext>
+            </a:extLst>
+          </a:blip>
+          <a:stretch>
+            <a:fillRect/>
+          </a:stretch>
+        </p:blipFill>
+        <p:spPr>
+          <a:xfrm>
+            <a:off x="16341036" y="8058429"/>
+            <a:ext cx="1942857" cy="2228571"/>
+          </a:xfrm>
+          <a:prstGeom prst="rect">
+            <a:avLst/>
+          </a:prstGeom>
+        </p:spPr>
+      </p:pic>
+    </p:spTree>
+    <p:extLst>
+      <p:ext uri="{BB962C8B-B14F-4D97-AF65-F5344CB8AC3E}">
+        <p14:creationId xmlns:p14="http://schemas.microsoft.com/office/powerpoint/2010/main" val="995484960"/>
+      </p:ext>
+    </p:extLst>
+  </p:cSld>
+  <p:clrMapOvr>
+    <a:masterClrMapping/>
+  </p:clrMapOvr>
+</p:sld>
+</file>
+
+<file path=ppt/slides/slide5.xml><?xml version="1.0" encoding="utf-8"?>
+<p:sld xmlns:a="http://schemas.openxmlformats.org/drawingml/2006/main" xmlns:r="http://schemas.openxmlformats.org/officeDocument/2006/relationships" xmlns:p="http://schemas.openxmlformats.org/presentationml/2006/main">
+  <p:cSld>
+    <p:spTree>
+      <p:nvGrpSpPr>
         <p:cNvPr id="1" name=""/>
         <p:cNvGrpSpPr/>
         <p:nvPr/>
@@ -4777,7 +4987,7 @@
 </p:sld>
 </file>
 
-<file path=ppt/slides/slide5.xml><?xml version="1.0" encoding="utf-8"?>
+<file path=ppt/slides/slide6.xml><?xml version="1.0" encoding="utf-8"?>
 <p:sld xmlns:a="http://schemas.openxmlformats.org/drawingml/2006/main" xmlns:r="http://schemas.openxmlformats.org/officeDocument/2006/relationships" xmlns:p="http://schemas.openxmlformats.org/presentationml/2006/main">
   <p:cSld>
     <p:spTree>
@@ -5016,7 +5226,7 @@
 </p:sld>
 </file>
 
-<file path=ppt/slides/slide6.xml><?xml version="1.0" encoding="utf-8"?>
+<file path=ppt/slides/slide7.xml><?xml version="1.0" encoding="utf-8"?>
 <p:sld xmlns:a="http://schemas.openxmlformats.org/drawingml/2006/main" xmlns:r="http://schemas.openxmlformats.org/officeDocument/2006/relationships" xmlns:p="http://schemas.openxmlformats.org/presentationml/2006/main">
   <p:cSld>
     <p:spTree>
@@ -5226,7 +5436,7 @@
 </p:sld>
 </file>
 
-<file path=ppt/slides/slide7.xml><?xml version="1.0" encoding="utf-8"?>
+<file path=ppt/slides/slide8.xml><?xml version="1.0" encoding="utf-8"?>
 <p:sld xmlns:a="http://schemas.openxmlformats.org/drawingml/2006/main" xmlns:r="http://schemas.openxmlformats.org/officeDocument/2006/relationships" xmlns:p="http://schemas.openxmlformats.org/presentationml/2006/main">
   <p:cSld>
     <p:spTree>
@@ -5456,7 +5666,7 @@
 </p:sld>
 </file>
 
-<file path=ppt/slides/slide8.xml><?xml version="1.0" encoding="utf-8"?>
+<file path=ppt/slides/slide9.xml><?xml version="1.0" encoding="utf-8"?>
 <p:sld xmlns:a="http://schemas.openxmlformats.org/drawingml/2006/main" xmlns:r="http://schemas.openxmlformats.org/officeDocument/2006/relationships" xmlns:p="http://schemas.openxmlformats.org/presentationml/2006/main">
   <p:cSld>
     <p:spTree>
